--- a/修論/本文0117/figure/fig_3_1_3QW_broadcontact_id_inverse_02.pptx
+++ b/修論/本文0117/figure/fig_3_1_3QW_broadcontact_id_inverse_02.pptx
@@ -270,7 +270,7 @@
           <a:p>
             <a:fld id="{7B2C231C-A4B7-694E-AAA8-A398016C186A}" type="datetimeFigureOut">
               <a:rPr kumimoji="1" lang="ja-JP" altLang="en-US" smtClean="0"/>
-              <a:t>2019/1/26</a:t>
+              <a:t>2019/1/28</a:t>
             </a:fld>
             <a:endParaRPr kumimoji="1" lang="ja-JP" altLang="en-US"/>
           </a:p>
@@ -475,7 +475,7 @@
           <a:p>
             <a:fld id="{7B2C231C-A4B7-694E-AAA8-A398016C186A}" type="datetimeFigureOut">
               <a:rPr kumimoji="1" lang="ja-JP" altLang="en-US" smtClean="0"/>
-              <a:t>2019/1/26</a:t>
+              <a:t>2019/1/28</a:t>
             </a:fld>
             <a:endParaRPr kumimoji="1" lang="ja-JP" altLang="en-US"/>
           </a:p>
@@ -690,7 +690,7 @@
           <a:p>
             <a:fld id="{7B2C231C-A4B7-694E-AAA8-A398016C186A}" type="datetimeFigureOut">
               <a:rPr kumimoji="1" lang="ja-JP" altLang="en-US" smtClean="0"/>
-              <a:t>2019/1/26</a:t>
+              <a:t>2019/1/28</a:t>
             </a:fld>
             <a:endParaRPr kumimoji="1" lang="ja-JP" altLang="en-US"/>
           </a:p>
@@ -895,7 +895,7 @@
           <a:p>
             <a:fld id="{7B2C231C-A4B7-694E-AAA8-A398016C186A}" type="datetimeFigureOut">
               <a:rPr kumimoji="1" lang="ja-JP" altLang="en-US" smtClean="0"/>
-              <a:t>2019/1/26</a:t>
+              <a:t>2019/1/28</a:t>
             </a:fld>
             <a:endParaRPr kumimoji="1" lang="ja-JP" altLang="en-US"/>
           </a:p>
@@ -1205,7 +1205,7 @@
           <a:p>
             <a:fld id="{7B2C231C-A4B7-694E-AAA8-A398016C186A}" type="datetimeFigureOut">
               <a:rPr kumimoji="1" lang="ja-JP" altLang="en-US" smtClean="0"/>
-              <a:t>2019/1/26</a:t>
+              <a:t>2019/1/28</a:t>
             </a:fld>
             <a:endParaRPr kumimoji="1" lang="ja-JP" altLang="en-US"/>
           </a:p>
@@ -1484,7 +1484,7 @@
           <a:p>
             <a:fld id="{7B2C231C-A4B7-694E-AAA8-A398016C186A}" type="datetimeFigureOut">
               <a:rPr kumimoji="1" lang="ja-JP" altLang="en-US" smtClean="0"/>
-              <a:t>2019/1/26</a:t>
+              <a:t>2019/1/28</a:t>
             </a:fld>
             <a:endParaRPr kumimoji="1" lang="ja-JP" altLang="en-US"/>
           </a:p>
@@ -1980,7 +1980,7 @@
           <a:p>
             <a:fld id="{7B2C231C-A4B7-694E-AAA8-A398016C186A}" type="datetimeFigureOut">
               <a:rPr kumimoji="1" lang="ja-JP" altLang="en-US" smtClean="0"/>
-              <a:t>2019/1/26</a:t>
+              <a:t>2019/1/28</a:t>
             </a:fld>
             <a:endParaRPr kumimoji="1" lang="ja-JP" altLang="en-US"/>
           </a:p>
@@ -2121,7 +2121,7 @@
           <a:p>
             <a:fld id="{7B2C231C-A4B7-694E-AAA8-A398016C186A}" type="datetimeFigureOut">
               <a:rPr kumimoji="1" lang="ja-JP" altLang="en-US" smtClean="0"/>
-              <a:t>2019/1/26</a:t>
+              <a:t>2019/1/28</a:t>
             </a:fld>
             <a:endParaRPr kumimoji="1" lang="ja-JP" altLang="en-US"/>
           </a:p>
@@ -2234,7 +2234,7 @@
           <a:p>
             <a:fld id="{7B2C231C-A4B7-694E-AAA8-A398016C186A}" type="datetimeFigureOut">
               <a:rPr kumimoji="1" lang="ja-JP" altLang="en-US" smtClean="0"/>
-              <a:t>2019/1/26</a:t>
+              <a:t>2019/1/28</a:t>
             </a:fld>
             <a:endParaRPr kumimoji="1" lang="ja-JP" altLang="en-US"/>
           </a:p>
@@ -2587,7 +2587,7 @@
           <a:p>
             <a:fld id="{7B2C231C-A4B7-694E-AAA8-A398016C186A}" type="datetimeFigureOut">
               <a:rPr kumimoji="1" lang="ja-JP" altLang="en-US" smtClean="0"/>
-              <a:t>2019/1/26</a:t>
+              <a:t>2019/1/28</a:t>
             </a:fld>
             <a:endParaRPr kumimoji="1" lang="ja-JP" altLang="en-US"/>
           </a:p>
@@ -2910,7 +2910,7 @@
           <a:p>
             <a:fld id="{7B2C231C-A4B7-694E-AAA8-A398016C186A}" type="datetimeFigureOut">
               <a:rPr kumimoji="1" lang="ja-JP" altLang="en-US" smtClean="0"/>
-              <a:t>2019/1/26</a:t>
+              <a:t>2019/1/28</a:t>
             </a:fld>
             <a:endParaRPr kumimoji="1" lang="ja-JP" altLang="en-US"/>
           </a:p>
@@ -3158,7 +3158,7 @@
           <a:p>
             <a:fld id="{7B2C231C-A4B7-694E-AAA8-A398016C186A}" type="datetimeFigureOut">
               <a:rPr kumimoji="1" lang="ja-JP" altLang="en-US" smtClean="0"/>
-              <a:t>2019/1/26</a:t>
+              <a:t>2019/1/28</a:t>
             </a:fld>
             <a:endParaRPr kumimoji="1" lang="ja-JP" altLang="en-US"/>
           </a:p>
@@ -3605,6 +3605,87 @@
           </a:prstGeom>
         </p:spPr>
       </p:pic>
+      <p:sp>
+        <p:nvSpPr>
+          <p:cNvPr id="4" name="正方形/長方形 3">
+            <a:extLst>
+              <a:ext uri="{FF2B5EF4-FFF2-40B4-BE49-F238E27FC236}">
+                <a16:creationId xmlns:a16="http://schemas.microsoft.com/office/drawing/2014/main" id="{5D48A5CE-A417-4CA2-B70F-5616F3FFB73D}"/>
+              </a:ext>
+            </a:extLst>
+          </p:cNvPr>
+          <p:cNvSpPr/>
+          <p:nvPr/>
+        </p:nvSpPr>
+        <p:spPr>
+          <a:xfrm>
+            <a:off x="5240867" y="4876800"/>
+            <a:ext cx="2353733" cy="592667"/>
+          </a:xfrm>
+          <a:prstGeom prst="rect">
+            <a:avLst/>
+          </a:prstGeom>
+          <a:solidFill>
+            <a:schemeClr val="bg1"/>
+          </a:solidFill>
+          <a:ln>
+            <a:noFill/>
+          </a:ln>
+        </p:spPr>
+        <p:style>
+          <a:lnRef idx="2">
+            <a:schemeClr val="accent1">
+              <a:shade val="50000"/>
+            </a:schemeClr>
+          </a:lnRef>
+          <a:fillRef idx="1">
+            <a:schemeClr val="accent1"/>
+          </a:fillRef>
+          <a:effectRef idx="0">
+            <a:schemeClr val="accent1"/>
+          </a:effectRef>
+          <a:fontRef idx="minor">
+            <a:schemeClr val="lt1"/>
+          </a:fontRef>
+        </p:style>
+        <p:txBody>
+          <a:bodyPr rtlCol="0" anchor="ctr"/>
+          <a:lstStyle/>
+          <a:p>
+            <a:pPr algn="ctr"/>
+            <a:endParaRPr kumimoji="1" lang="ja-JP" altLang="en-US"/>
+          </a:p>
+        </p:txBody>
+      </p:sp>
+      <p:pic>
+        <p:nvPicPr>
+          <p:cNvPr id="3" name="図 2">
+            <a:extLst>
+              <a:ext uri="{FF2B5EF4-FFF2-40B4-BE49-F238E27FC236}">
+                <a16:creationId xmlns:a16="http://schemas.microsoft.com/office/drawing/2014/main" id="{D675978B-9DB4-45D5-96B3-4E94CE3B10FC}"/>
+              </a:ext>
+            </a:extLst>
+          </p:cNvPr>
+          <p:cNvPicPr>
+            <a:picLocks noChangeAspect="1"/>
+          </p:cNvPicPr>
+          <p:nvPr/>
+        </p:nvPicPr>
+        <p:blipFill rotWithShape="1">
+          <a:blip r:embed="rId3"/>
+          <a:srcRect t="90240"/>
+          <a:stretch/>
+        </p:blipFill>
+        <p:spPr>
+          <a:xfrm>
+            <a:off x="3632696" y="4692999"/>
+            <a:ext cx="4940331" cy="367602"/>
+          </a:xfrm>
+          <a:prstGeom prst="rect">
+            <a:avLst/>
+          </a:prstGeom>
+        </p:spPr>
+      </p:pic>
     </p:spTree>
     <p:extLst>
       <p:ext uri="{BB962C8B-B14F-4D97-AF65-F5344CB8AC3E}">

--- a/修論/本文0117/figure/fig_3_1_3QW_broadcontact_id_inverse_02.pptx
+++ b/修論/本文0117/figure/fig_3_1_3QW_broadcontact_id_inverse_02.pptx
@@ -270,7 +270,7 @@
           <a:p>
             <a:fld id="{7B2C231C-A4B7-694E-AAA8-A398016C186A}" type="datetimeFigureOut">
               <a:rPr kumimoji="1" lang="ja-JP" altLang="en-US" smtClean="0"/>
-              <a:t>2019/1/28</a:t>
+              <a:t>2019/1/29</a:t>
             </a:fld>
             <a:endParaRPr kumimoji="1" lang="ja-JP" altLang="en-US"/>
           </a:p>
@@ -475,7 +475,7 @@
           <a:p>
             <a:fld id="{7B2C231C-A4B7-694E-AAA8-A398016C186A}" type="datetimeFigureOut">
               <a:rPr kumimoji="1" lang="ja-JP" altLang="en-US" smtClean="0"/>
-              <a:t>2019/1/28</a:t>
+              <a:t>2019/1/29</a:t>
             </a:fld>
             <a:endParaRPr kumimoji="1" lang="ja-JP" altLang="en-US"/>
           </a:p>
@@ -690,7 +690,7 @@
           <a:p>
             <a:fld id="{7B2C231C-A4B7-694E-AAA8-A398016C186A}" type="datetimeFigureOut">
               <a:rPr kumimoji="1" lang="ja-JP" altLang="en-US" smtClean="0"/>
-              <a:t>2019/1/28</a:t>
+              <a:t>2019/1/29</a:t>
             </a:fld>
             <a:endParaRPr kumimoji="1" lang="ja-JP" altLang="en-US"/>
           </a:p>
@@ -895,7 +895,7 @@
           <a:p>
             <a:fld id="{7B2C231C-A4B7-694E-AAA8-A398016C186A}" type="datetimeFigureOut">
               <a:rPr kumimoji="1" lang="ja-JP" altLang="en-US" smtClean="0"/>
-              <a:t>2019/1/28</a:t>
+              <a:t>2019/1/29</a:t>
             </a:fld>
             <a:endParaRPr kumimoji="1" lang="ja-JP" altLang="en-US"/>
           </a:p>
@@ -1205,7 +1205,7 @@
           <a:p>
             <a:fld id="{7B2C231C-A4B7-694E-AAA8-A398016C186A}" type="datetimeFigureOut">
               <a:rPr kumimoji="1" lang="ja-JP" altLang="en-US" smtClean="0"/>
-              <a:t>2019/1/28</a:t>
+              <a:t>2019/1/29</a:t>
             </a:fld>
             <a:endParaRPr kumimoji="1" lang="ja-JP" altLang="en-US"/>
           </a:p>
@@ -1484,7 +1484,7 @@
           <a:p>
             <a:fld id="{7B2C231C-A4B7-694E-AAA8-A398016C186A}" type="datetimeFigureOut">
               <a:rPr kumimoji="1" lang="ja-JP" altLang="en-US" smtClean="0"/>
-              <a:t>2019/1/28</a:t>
+              <a:t>2019/1/29</a:t>
             </a:fld>
             <a:endParaRPr kumimoji="1" lang="ja-JP" altLang="en-US"/>
           </a:p>
@@ -1980,7 +1980,7 @@
           <a:p>
             <a:fld id="{7B2C231C-A4B7-694E-AAA8-A398016C186A}" type="datetimeFigureOut">
               <a:rPr kumimoji="1" lang="ja-JP" altLang="en-US" smtClean="0"/>
-              <a:t>2019/1/28</a:t>
+              <a:t>2019/1/29</a:t>
             </a:fld>
             <a:endParaRPr kumimoji="1" lang="ja-JP" altLang="en-US"/>
           </a:p>
@@ -2121,7 +2121,7 @@
           <a:p>
             <a:fld id="{7B2C231C-A4B7-694E-AAA8-A398016C186A}" type="datetimeFigureOut">
               <a:rPr kumimoji="1" lang="ja-JP" altLang="en-US" smtClean="0"/>
-              <a:t>2019/1/28</a:t>
+              <a:t>2019/1/29</a:t>
             </a:fld>
             <a:endParaRPr kumimoji="1" lang="ja-JP" altLang="en-US"/>
           </a:p>
@@ -2234,7 +2234,7 @@
           <a:p>
             <a:fld id="{7B2C231C-A4B7-694E-AAA8-A398016C186A}" type="datetimeFigureOut">
               <a:rPr kumimoji="1" lang="ja-JP" altLang="en-US" smtClean="0"/>
-              <a:t>2019/1/28</a:t>
+              <a:t>2019/1/29</a:t>
             </a:fld>
             <a:endParaRPr kumimoji="1" lang="ja-JP" altLang="en-US"/>
           </a:p>
@@ -2587,7 +2587,7 @@
           <a:p>
             <a:fld id="{7B2C231C-A4B7-694E-AAA8-A398016C186A}" type="datetimeFigureOut">
               <a:rPr kumimoji="1" lang="ja-JP" altLang="en-US" smtClean="0"/>
-              <a:t>2019/1/28</a:t>
+              <a:t>2019/1/29</a:t>
             </a:fld>
             <a:endParaRPr kumimoji="1" lang="ja-JP" altLang="en-US"/>
           </a:p>
@@ -2910,7 +2910,7 @@
           <a:p>
             <a:fld id="{7B2C231C-A4B7-694E-AAA8-A398016C186A}" type="datetimeFigureOut">
               <a:rPr kumimoji="1" lang="ja-JP" altLang="en-US" smtClean="0"/>
-              <a:t>2019/1/28</a:t>
+              <a:t>2019/1/29</a:t>
             </a:fld>
             <a:endParaRPr kumimoji="1" lang="ja-JP" altLang="en-US"/>
           </a:p>
@@ -3158,7 +3158,7 @@
           <a:p>
             <a:fld id="{7B2C231C-A4B7-694E-AAA8-A398016C186A}" type="datetimeFigureOut">
               <a:rPr kumimoji="1" lang="ja-JP" altLang="en-US" smtClean="0"/>
-              <a:t>2019/1/28</a:t>
+              <a:t>2019/1/29</a:t>
             </a:fld>
             <a:endParaRPr kumimoji="1" lang="ja-JP" altLang="en-US"/>
           </a:p>
@@ -3577,10 +3577,10 @@
       </p:grpSpPr>
       <p:pic>
         <p:nvPicPr>
-          <p:cNvPr id="2" name="図 1">
-            <a:extLst>
-              <a:ext uri="{FF2B5EF4-FFF2-40B4-BE49-F238E27FC236}">
-                <a16:creationId xmlns:a16="http://schemas.microsoft.com/office/drawing/2014/main" id="{FFE1269E-B487-41AF-A370-763FAD016C16}"/>
+          <p:cNvPr id="5" name="図 4">
+            <a:extLst>
+              <a:ext uri="{FF2B5EF4-FFF2-40B4-BE49-F238E27FC236}">
+                <a16:creationId xmlns:a16="http://schemas.microsoft.com/office/drawing/2014/main" id="{88032425-754E-45A0-8F0F-3E40EC105861}"/>
               </a:ext>
             </a:extLst>
           </p:cNvPr>
@@ -3597,89 +3597,8 @@
         </p:blipFill>
         <p:spPr>
           <a:xfrm>
-            <a:off x="3618973" y="1653406"/>
-            <a:ext cx="4954054" cy="3551187"/>
-          </a:xfrm>
-          <a:prstGeom prst="rect">
-            <a:avLst/>
-          </a:prstGeom>
-        </p:spPr>
-      </p:pic>
-      <p:sp>
-        <p:nvSpPr>
-          <p:cNvPr id="4" name="正方形/長方形 3">
-            <a:extLst>
-              <a:ext uri="{FF2B5EF4-FFF2-40B4-BE49-F238E27FC236}">
-                <a16:creationId xmlns:a16="http://schemas.microsoft.com/office/drawing/2014/main" id="{5D48A5CE-A417-4CA2-B70F-5616F3FFB73D}"/>
-              </a:ext>
-            </a:extLst>
-          </p:cNvPr>
-          <p:cNvSpPr/>
-          <p:nvPr/>
-        </p:nvSpPr>
-        <p:spPr>
-          <a:xfrm>
-            <a:off x="5240867" y="4876800"/>
-            <a:ext cx="2353733" cy="592667"/>
-          </a:xfrm>
-          <a:prstGeom prst="rect">
-            <a:avLst/>
-          </a:prstGeom>
-          <a:solidFill>
-            <a:schemeClr val="bg1"/>
-          </a:solidFill>
-          <a:ln>
-            <a:noFill/>
-          </a:ln>
-        </p:spPr>
-        <p:style>
-          <a:lnRef idx="2">
-            <a:schemeClr val="accent1">
-              <a:shade val="50000"/>
-            </a:schemeClr>
-          </a:lnRef>
-          <a:fillRef idx="1">
-            <a:schemeClr val="accent1"/>
-          </a:fillRef>
-          <a:effectRef idx="0">
-            <a:schemeClr val="accent1"/>
-          </a:effectRef>
-          <a:fontRef idx="minor">
-            <a:schemeClr val="lt1"/>
-          </a:fontRef>
-        </p:style>
-        <p:txBody>
-          <a:bodyPr rtlCol="0" anchor="ctr"/>
-          <a:lstStyle/>
-          <a:p>
-            <a:pPr algn="ctr"/>
-            <a:endParaRPr kumimoji="1" lang="ja-JP" altLang="en-US"/>
-          </a:p>
-        </p:txBody>
-      </p:sp>
-      <p:pic>
-        <p:nvPicPr>
-          <p:cNvPr id="3" name="図 2">
-            <a:extLst>
-              <a:ext uri="{FF2B5EF4-FFF2-40B4-BE49-F238E27FC236}">
-                <a16:creationId xmlns:a16="http://schemas.microsoft.com/office/drawing/2014/main" id="{D675978B-9DB4-45D5-96B3-4E94CE3B10FC}"/>
-              </a:ext>
-            </a:extLst>
-          </p:cNvPr>
-          <p:cNvPicPr>
-            <a:picLocks noChangeAspect="1"/>
-          </p:cNvPicPr>
-          <p:nvPr/>
-        </p:nvPicPr>
-        <p:blipFill rotWithShape="1">
-          <a:blip r:embed="rId3"/>
-          <a:srcRect t="90240"/>
-          <a:stretch/>
-        </p:blipFill>
-        <p:spPr>
-          <a:xfrm>
-            <a:off x="3632696" y="4692999"/>
-            <a:ext cx="4940331" cy="367602"/>
+            <a:off x="1966616" y="1545863"/>
+            <a:ext cx="4940331" cy="3766272"/>
           </a:xfrm>
           <a:prstGeom prst="rect">
             <a:avLst/>
